--- a/Szakdolgozat.pptx
+++ b/Szakdolgozat.pptx
@@ -17,7 +17,8 @@
     <p:sldId id="266" r:id="rId12"/>
     <p:sldId id="267" r:id="rId13"/>
     <p:sldId id="268" r:id="rId14"/>
-    <p:sldId id="269" r:id="rId15"/>
+    <p:sldId id="270" r:id="rId15"/>
+    <p:sldId id="269" r:id="rId16"/>
   </p:sldIdLst>
   <p:sldSz cx="12192000" cy="6858000"/>
   <p:notesSz cx="6858000" cy="9144000"/>
@@ -116,6 +117,11 @@
       </a:defRPr>
     </a:lvl9pPr>
   </p:defaultTextStyle>
+  <p:extLst>
+    <p:ext uri="{EFAFB233-063F-42B5-8137-9DF3F51BA10A}">
+      <p15:sldGuideLst xmlns:p15="http://schemas.microsoft.com/office/powerpoint/2012/main"/>
+    </p:ext>
+  </p:extLst>
 </p:presentation>
 </file>
 
@@ -7661,7 +7667,7 @@
 <dgm:dataModel xmlns:dgm="http://schemas.openxmlformats.org/drawingml/2006/diagram" xmlns:a="http://schemas.openxmlformats.org/drawingml/2006/main">
   <dgm:ptLst>
     <dgm:pt modelId="{1DCE936F-F3FD-407E-9577-8DDD2826E5BE}" type="doc">
-      <dgm:prSet loTypeId="urn:microsoft.com/office/officeart/2005/8/layout/vList2" loCatId="list" qsTypeId="urn:microsoft.com/office/officeart/2005/8/quickstyle/simple1" qsCatId="simple" csTypeId="urn:microsoft.com/office/officeart/2005/8/colors/colorful2" csCatId="colorful"/>
+      <dgm:prSet loTypeId="urn:microsoft.com/office/officeart/2005/8/layout/vList2" loCatId="list" qsTypeId="urn:microsoft.com/office/officeart/2005/8/quickstyle/simple1" qsCatId="simple" csTypeId="urn:microsoft.com/office/officeart/2005/8/colors/colorful2" csCatId="colorful" phldr="1"/>
       <dgm:spPr/>
       <dgm:t>
         <a:bodyPr/>
@@ -7679,10 +7685,10 @@
         <a:lstStyle/>
         <a:p>
           <a:r>
-            <a:rPr lang="hu-HU"/>
-            <a:t>Részecske alap megközelítés</a:t>
+            <a:rPr lang="hu-HU" dirty="0"/>
+            <a:t>Részecske alapú megközelítés</a:t>
           </a:r>
-          <a:endParaRPr lang="en-US"/>
+          <a:endParaRPr lang="en-US" dirty="0"/>
         </a:p>
       </dgm:t>
     </dgm:pt>
@@ -7716,10 +7722,10 @@
         <a:lstStyle/>
         <a:p>
           <a:r>
-            <a:rPr lang="hu-HU"/>
-            <a:t>Részecskéként való ábrázolás</a:t>
+            <a:rPr lang="hu-HU" dirty="0"/>
+            <a:t>Részecskeként való ábrázolás</a:t>
           </a:r>
-          <a:endParaRPr lang="en-US"/>
+          <a:endParaRPr lang="en-US" dirty="0"/>
         </a:p>
       </dgm:t>
     </dgm:pt>
@@ -11335,10 +11341,10 @@
             <a:buNone/>
           </a:pPr>
           <a:r>
-            <a:rPr lang="hu-HU" sz="4100" kern="1200"/>
-            <a:t>Részecske alap megközelítés</a:t>
+            <a:rPr lang="hu-HU" sz="4100" kern="1200" dirty="0"/>
+            <a:t>Részecske alapú megközelítés</a:t>
           </a:r>
-          <a:endParaRPr lang="en-US" sz="4100" kern="1200"/>
+          <a:endParaRPr lang="en-US" sz="4100" kern="1200" dirty="0"/>
         </a:p>
       </dsp:txBody>
       <dsp:txXfrm>
@@ -11414,10 +11420,10 @@
             <a:buNone/>
           </a:pPr>
           <a:r>
-            <a:rPr lang="hu-HU" sz="4100" kern="1200"/>
-            <a:t>Részecskéként való ábrázolás</a:t>
+            <a:rPr lang="hu-HU" sz="4100" kern="1200" dirty="0"/>
+            <a:t>Részecskeként való ábrázolás</a:t>
           </a:r>
-          <a:endParaRPr lang="en-US" sz="4100" kern="1200"/>
+          <a:endParaRPr lang="en-US" sz="4100" kern="1200" dirty="0"/>
         </a:p>
       </dsp:txBody>
       <dsp:txXfrm>
@@ -25433,7 +25439,7 @@
           <a:p>
             <a:fld id="{46572267-2261-4D62-AC68-3EF41DFB2010}" type="datetimeFigureOut">
               <a:rPr lang="hu-HU" smtClean="0"/>
-              <a:t>2021.06.10.</a:t>
+              <a:t>2021.06.14.</a:t>
             </a:fld>
             <a:endParaRPr lang="hu-HU"/>
           </a:p>
@@ -25631,7 +25637,7 @@
           <a:p>
             <a:fld id="{46572267-2261-4D62-AC68-3EF41DFB2010}" type="datetimeFigureOut">
               <a:rPr lang="hu-HU" smtClean="0"/>
-              <a:t>2021.06.10.</a:t>
+              <a:t>2021.06.14.</a:t>
             </a:fld>
             <a:endParaRPr lang="hu-HU"/>
           </a:p>
@@ -25839,7 +25845,7 @@
           <a:p>
             <a:fld id="{46572267-2261-4D62-AC68-3EF41DFB2010}" type="datetimeFigureOut">
               <a:rPr lang="hu-HU" smtClean="0"/>
-              <a:t>2021.06.10.</a:t>
+              <a:t>2021.06.14.</a:t>
             </a:fld>
             <a:endParaRPr lang="hu-HU"/>
           </a:p>
@@ -26037,7 +26043,7 @@
           <a:p>
             <a:fld id="{46572267-2261-4D62-AC68-3EF41DFB2010}" type="datetimeFigureOut">
               <a:rPr lang="hu-HU" smtClean="0"/>
-              <a:t>2021.06.10.</a:t>
+              <a:t>2021.06.14.</a:t>
             </a:fld>
             <a:endParaRPr lang="hu-HU"/>
           </a:p>
@@ -26312,7 +26318,7 @@
           <a:p>
             <a:fld id="{46572267-2261-4D62-AC68-3EF41DFB2010}" type="datetimeFigureOut">
               <a:rPr lang="hu-HU" smtClean="0"/>
-              <a:t>2021.06.10.</a:t>
+              <a:t>2021.06.14.</a:t>
             </a:fld>
             <a:endParaRPr lang="hu-HU"/>
           </a:p>
@@ -26577,7 +26583,7 @@
           <a:p>
             <a:fld id="{46572267-2261-4D62-AC68-3EF41DFB2010}" type="datetimeFigureOut">
               <a:rPr lang="hu-HU" smtClean="0"/>
-              <a:t>2021.06.10.</a:t>
+              <a:t>2021.06.14.</a:t>
             </a:fld>
             <a:endParaRPr lang="hu-HU"/>
           </a:p>
@@ -26989,7 +26995,7 @@
           <a:p>
             <a:fld id="{46572267-2261-4D62-AC68-3EF41DFB2010}" type="datetimeFigureOut">
               <a:rPr lang="hu-HU" smtClean="0"/>
-              <a:t>2021.06.10.</a:t>
+              <a:t>2021.06.14.</a:t>
             </a:fld>
             <a:endParaRPr lang="hu-HU"/>
           </a:p>
@@ -27130,7 +27136,7 @@
           <a:p>
             <a:fld id="{46572267-2261-4D62-AC68-3EF41DFB2010}" type="datetimeFigureOut">
               <a:rPr lang="hu-HU" smtClean="0"/>
-              <a:t>2021.06.10.</a:t>
+              <a:t>2021.06.14.</a:t>
             </a:fld>
             <a:endParaRPr lang="hu-HU"/>
           </a:p>
@@ -27243,7 +27249,7 @@
           <a:p>
             <a:fld id="{46572267-2261-4D62-AC68-3EF41DFB2010}" type="datetimeFigureOut">
               <a:rPr lang="hu-HU" smtClean="0"/>
-              <a:t>2021.06.10.</a:t>
+              <a:t>2021.06.14.</a:t>
             </a:fld>
             <a:endParaRPr lang="hu-HU"/>
           </a:p>
@@ -27554,7 +27560,7 @@
           <a:p>
             <a:fld id="{46572267-2261-4D62-AC68-3EF41DFB2010}" type="datetimeFigureOut">
               <a:rPr lang="hu-HU" smtClean="0"/>
-              <a:t>2021.06.10.</a:t>
+              <a:t>2021.06.14.</a:t>
             </a:fld>
             <a:endParaRPr lang="hu-HU"/>
           </a:p>
@@ -27842,7 +27848,7 @@
           <a:p>
             <a:fld id="{46572267-2261-4D62-AC68-3EF41DFB2010}" type="datetimeFigureOut">
               <a:rPr lang="hu-HU" smtClean="0"/>
-              <a:t>2021.06.10.</a:t>
+              <a:t>2021.06.14.</a:t>
             </a:fld>
             <a:endParaRPr lang="hu-HU"/>
           </a:p>
@@ -28113,7 +28119,7 @@
           <a:p>
             <a:fld id="{46572267-2261-4D62-AC68-3EF41DFB2010}" type="datetimeFigureOut">
               <a:rPr lang="hu-HU" smtClean="0"/>
-              <a:t>2021.06.10.</a:t>
+              <a:t>2021.06.14.</a:t>
             </a:fld>
             <a:endParaRPr lang="hu-HU"/>
           </a:p>
@@ -29413,6 +29419,84 @@
           </a:custGeom>
         </p:spPr>
       </p:pic>
+      <p:sp>
+        <p:nvSpPr>
+          <p:cNvPr id="3" name="Szövegdoboz 2">
+            <a:extLst>
+              <a:ext uri="{FF2B5EF4-FFF2-40B4-BE49-F238E27FC236}">
+                <a16:creationId xmlns:a16="http://schemas.microsoft.com/office/drawing/2014/main" id="{0944FE89-A017-4D4C-A057-63185C011D8A}"/>
+              </a:ext>
+            </a:extLst>
+          </p:cNvPr>
+          <p:cNvSpPr txBox="1"/>
+          <p:nvPr/>
+        </p:nvSpPr>
+        <p:spPr>
+          <a:xfrm>
+            <a:off x="2372138" y="4019062"/>
+            <a:ext cx="2674130" cy="584775"/>
+          </a:xfrm>
+          <a:prstGeom prst="rect">
+            <a:avLst/>
+          </a:prstGeom>
+          <a:noFill/>
+        </p:spPr>
+        <p:txBody>
+          <a:bodyPr wrap="none" rtlCol="0">
+            <a:spAutoFit/>
+          </a:bodyPr>
+          <a:lstStyle/>
+          <a:p>
+            <a:r>
+              <a:rPr lang="hu-HU" sz="3200" dirty="0">
+                <a:solidFill>
+                  <a:schemeClr val="bg1"/>
+                </a:solidFill>
+              </a:rPr>
+              <a:t>Kardos Izabella</a:t>
+            </a:r>
+          </a:p>
+        </p:txBody>
+      </p:sp>
+      <p:sp>
+        <p:nvSpPr>
+          <p:cNvPr id="5" name="Szövegdoboz 4">
+            <a:extLst>
+              <a:ext uri="{FF2B5EF4-FFF2-40B4-BE49-F238E27FC236}">
+                <a16:creationId xmlns:a16="http://schemas.microsoft.com/office/drawing/2014/main" id="{7FC66A60-D72C-46DF-8DDF-29EE4237E9F0}"/>
+              </a:ext>
+            </a:extLst>
+          </p:cNvPr>
+          <p:cNvSpPr txBox="1"/>
+          <p:nvPr/>
+        </p:nvSpPr>
+        <p:spPr>
+          <a:xfrm>
+            <a:off x="2938669" y="5193899"/>
+            <a:ext cx="1293944" cy="369332"/>
+          </a:xfrm>
+          <a:prstGeom prst="rect">
+            <a:avLst/>
+          </a:prstGeom>
+          <a:noFill/>
+        </p:spPr>
+        <p:txBody>
+          <a:bodyPr wrap="none" rtlCol="0">
+            <a:spAutoFit/>
+          </a:bodyPr>
+          <a:lstStyle/>
+          <a:p>
+            <a:r>
+              <a:rPr lang="hu-HU" dirty="0">
+                <a:solidFill>
+                  <a:schemeClr val="bg1"/>
+                </a:solidFill>
+              </a:rPr>
+              <a:t>2021.06.16.</a:t>
+            </a:r>
+          </a:p>
+        </p:txBody>
+      </p:sp>
     </p:spTree>
     <p:extLst>
       <p:ext uri="{BB962C8B-B14F-4D97-AF65-F5344CB8AC3E}">
@@ -30234,10 +30318,10 @@
       </p:grpSpPr>
       <p:sp>
         <p:nvSpPr>
-          <p:cNvPr id="21" name="Freeform 6">
+          <p:cNvPr id="32" name="Rectangle 31">
             <a:extLst>
               <a:ext uri="{FF2B5EF4-FFF2-40B4-BE49-F238E27FC236}">
-                <a16:creationId xmlns:a16="http://schemas.microsoft.com/office/drawing/2014/main" id="{69D184B2-2226-4E31-BCCB-444330767440}"/>
+                <a16:creationId xmlns:a16="http://schemas.microsoft.com/office/drawing/2014/main" id="{F3060C83-F051-4F0E-ABAD-AA0DFC48B218}"/>
               </a:ext>
               <a:ext uri="{C183D7F6-B498-43B3-948B-1728B52AA6E4}">
                 <adec:decorative xmlns:adec="http://schemas.microsoft.com/office/drawing/2017/decorative" val="1"/>
@@ -30255,92 +30339,52 @@
             </p:extLst>
           </p:nvPr>
         </p:nvSpPr>
-        <p:spPr bwMode="auto">
+        <p:spPr>
           <a:xfrm>
-            <a:off x="11118533" y="918266"/>
-            <a:ext cx="706127" cy="5863534"/>
+            <a:off x="0" y="0"/>
+            <a:ext cx="12192000" cy="6858000"/>
           </a:xfrm>
-          <a:custGeom>
+          <a:prstGeom prst="rect">
             <a:avLst/>
-            <a:gdLst>
-              <a:gd name="T0" fmla="*/ 414 w 414"/>
-              <a:gd name="T1" fmla="*/ 2447 h 2447"/>
-              <a:gd name="T2" fmla="*/ 0 w 414"/>
-              <a:gd name="T3" fmla="*/ 2247 h 2447"/>
-              <a:gd name="T4" fmla="*/ 0 w 414"/>
-              <a:gd name="T5" fmla="*/ 0 h 2447"/>
-              <a:gd name="T6" fmla="*/ 414 w 414"/>
-              <a:gd name="T7" fmla="*/ 200 h 2447"/>
-              <a:gd name="T8" fmla="*/ 414 w 414"/>
-              <a:gd name="T9" fmla="*/ 2447 h 2447"/>
-            </a:gdLst>
-            <a:ahLst/>
-            <a:cxnLst>
-              <a:cxn ang="0">
-                <a:pos x="T0" y="T1"/>
-              </a:cxn>
-              <a:cxn ang="0">
-                <a:pos x="T2" y="T3"/>
-              </a:cxn>
-              <a:cxn ang="0">
-                <a:pos x="T4" y="T5"/>
-              </a:cxn>
-              <a:cxn ang="0">
-                <a:pos x="T6" y="T7"/>
-              </a:cxn>
-              <a:cxn ang="0">
-                <a:pos x="T8" y="T9"/>
-              </a:cxn>
-            </a:cxnLst>
-            <a:rect l="0" t="0" r="r" b="b"/>
-            <a:pathLst>
-              <a:path w="414" h="2447">
-                <a:moveTo>
-                  <a:pt x="414" y="2447"/>
-                </a:moveTo>
-                <a:lnTo>
-                  <a:pt x="0" y="2247"/>
-                </a:lnTo>
-                <a:lnTo>
-                  <a:pt x="0" y="0"/>
-                </a:lnTo>
-                <a:lnTo>
-                  <a:pt x="414" y="200"/>
-                </a:lnTo>
-                <a:lnTo>
-                  <a:pt x="414" y="2447"/>
-                </a:lnTo>
-                <a:close/>
-              </a:path>
-            </a:pathLst>
-          </a:custGeom>
+          </a:prstGeom>
           <a:solidFill>
-            <a:schemeClr val="accent1">
-              <a:lumMod val="75000"/>
-            </a:schemeClr>
+            <a:schemeClr val="bg1"/>
           </a:solidFill>
           <a:ln>
             <a:noFill/>
           </a:ln>
         </p:spPr>
+        <p:style>
+          <a:lnRef idx="2">
+            <a:schemeClr val="accent1">
+              <a:shade val="50000"/>
+            </a:schemeClr>
+          </a:lnRef>
+          <a:fillRef idx="1">
+            <a:schemeClr val="accent1"/>
+          </a:fillRef>
+          <a:effectRef idx="0">
+            <a:schemeClr val="accent1"/>
+          </a:effectRef>
+          <a:fontRef idx="minor">
+            <a:schemeClr val="lt1"/>
+          </a:fontRef>
+        </p:style>
         <p:txBody>
-          <a:bodyPr vert="horz" wrap="square" lIns="91440" tIns="45720" rIns="91440" bIns="45720" numCol="1" anchor="t" anchorCtr="0" compatLnSpc="1">
-            <a:prstTxWarp prst="textNoShape">
-              <a:avLst/>
-            </a:prstTxWarp>
-          </a:bodyPr>
+          <a:bodyPr rtlCol="0" anchor="ctr"/>
           <a:lstStyle/>
           <a:p>
-            <a:endParaRPr lang="en-US"/>
+            <a:pPr algn="ctr"/>
+            <a:endParaRPr lang="en-US" dirty="0"/>
           </a:p>
         </p:txBody>
       </p:sp>
       <p:sp>
         <p:nvSpPr>
-          <p:cNvPr id="23" name="Freeform 7">
+          <p:cNvPr id="34" name="Freeform: Shape 33">
             <a:extLst>
               <a:ext uri="{FF2B5EF4-FFF2-40B4-BE49-F238E27FC236}">
-                <a16:creationId xmlns:a16="http://schemas.microsoft.com/office/drawing/2014/main" id="{1AC4D4E3-486A-464A-8EC8-D44881097267}"/>
+                <a16:creationId xmlns:a16="http://schemas.microsoft.com/office/drawing/2014/main" id="{83C98ABE-055B-441F-B07E-44F97F083C39}"/>
               </a:ext>
               <a:ext uri="{C183D7F6-B498-43B3-948B-1728B52AA6E4}">
                 <adec:decorative xmlns:adec="http://schemas.microsoft.com/office/drawing/2017/decorative" val="1"/>
@@ -30358,60 +30402,60 @@
             </p:extLst>
           </p:nvPr>
         </p:nvSpPr>
-        <p:spPr bwMode="auto">
-          <a:xfrm>
-            <a:off x="11117879" y="643467"/>
-            <a:ext cx="420307" cy="5668919"/>
+        <p:spPr>
+          <a:xfrm rot="18900000" flipH="1">
+            <a:off x="-376156" y="-253670"/>
+            <a:ext cx="1827638" cy="1376989"/>
           </a:xfrm>
           <a:custGeom>
             <a:avLst/>
             <a:gdLst>
-              <a:gd name="T0" fmla="*/ 209 w 209"/>
-              <a:gd name="T1" fmla="*/ 2246 h 2358"/>
-              <a:gd name="T2" fmla="*/ 0 w 209"/>
-              <a:gd name="T3" fmla="*/ 2358 h 2358"/>
-              <a:gd name="T4" fmla="*/ 0 w 209"/>
-              <a:gd name="T5" fmla="*/ 111 h 2358"/>
-              <a:gd name="T6" fmla="*/ 209 w 209"/>
-              <a:gd name="T7" fmla="*/ 0 h 2358"/>
-              <a:gd name="T8" fmla="*/ 209 w 209"/>
-              <a:gd name="T9" fmla="*/ 2246 h 2358"/>
+              <a:gd name="connsiteX0" fmla="*/ 0 w 1827638"/>
+              <a:gd name="connsiteY0" fmla="*/ 987379 h 1376989"/>
+              <a:gd name="connsiteX1" fmla="*/ 987379 w 1827638"/>
+              <a:gd name="connsiteY1" fmla="*/ 0 h 1376989"/>
+              <a:gd name="connsiteX2" fmla="*/ 1827638 w 1827638"/>
+              <a:gd name="connsiteY2" fmla="*/ 840260 h 1376989"/>
+              <a:gd name="connsiteX3" fmla="*/ 1827638 w 1827638"/>
+              <a:gd name="connsiteY3" fmla="*/ 1376989 h 1376989"/>
+              <a:gd name="connsiteX4" fmla="*/ 0 w 1827638"/>
+              <a:gd name="connsiteY4" fmla="*/ 1376989 h 1376989"/>
             </a:gdLst>
             <a:ahLst/>
             <a:cxnLst>
               <a:cxn ang="0">
-                <a:pos x="T0" y="T1"/>
-              </a:cxn>
-              <a:cxn ang="0">
-                <a:pos x="T2" y="T3"/>
-              </a:cxn>
-              <a:cxn ang="0">
-                <a:pos x="T4" y="T5"/>
-              </a:cxn>
-              <a:cxn ang="0">
-                <a:pos x="T6" y="T7"/>
-              </a:cxn>
-              <a:cxn ang="0">
-                <a:pos x="T8" y="T9"/>
+                <a:pos x="connsiteX0" y="connsiteY0"/>
+              </a:cxn>
+              <a:cxn ang="0">
+                <a:pos x="connsiteX1" y="connsiteY1"/>
+              </a:cxn>
+              <a:cxn ang="0">
+                <a:pos x="connsiteX2" y="connsiteY2"/>
+              </a:cxn>
+              <a:cxn ang="0">
+                <a:pos x="connsiteX3" y="connsiteY3"/>
+              </a:cxn>
+              <a:cxn ang="0">
+                <a:pos x="connsiteX4" y="connsiteY4"/>
               </a:cxn>
             </a:cxnLst>
-            <a:rect l="0" t="0" r="r" b="b"/>
+            <a:rect l="l" t="t" r="r" b="b"/>
             <a:pathLst>
-              <a:path w="209" h="2358">
+              <a:path w="1827638" h="1376989">
                 <a:moveTo>
-                  <a:pt x="209" y="2246"/>
+                  <a:pt x="0" y="987379"/>
                 </a:moveTo>
                 <a:lnTo>
-                  <a:pt x="0" y="2358"/>
+                  <a:pt x="987379" y="0"/>
                 </a:lnTo>
                 <a:lnTo>
-                  <a:pt x="0" y="111"/>
+                  <a:pt x="1827638" y="840260"/>
                 </a:lnTo>
                 <a:lnTo>
-                  <a:pt x="209" y="0"/>
+                  <a:pt x="1827638" y="1376989"/>
                 </a:lnTo>
                 <a:lnTo>
-                  <a:pt x="209" y="2246"/>
+                  <a:pt x="0" y="1376989"/>
                 </a:lnTo>
                 <a:close/>
               </a:path>
@@ -30419,31 +30463,44 @@
           </a:custGeom>
           <a:solidFill>
             <a:schemeClr val="accent1">
-              <a:lumMod val="50000"/>
+              <a:alpha val="30000"/>
             </a:schemeClr>
           </a:solidFill>
           <a:ln>
             <a:noFill/>
           </a:ln>
         </p:spPr>
+        <p:style>
+          <a:lnRef idx="2">
+            <a:schemeClr val="accent1">
+              <a:shade val="50000"/>
+            </a:schemeClr>
+          </a:lnRef>
+          <a:fillRef idx="1">
+            <a:schemeClr val="accent1"/>
+          </a:fillRef>
+          <a:effectRef idx="0">
+            <a:schemeClr val="accent1"/>
+          </a:effectRef>
+          <a:fontRef idx="minor">
+            <a:schemeClr val="lt1"/>
+          </a:fontRef>
+        </p:style>
         <p:txBody>
-          <a:bodyPr vert="horz" wrap="square" lIns="91440" tIns="45720" rIns="91440" bIns="45720" numCol="1" anchor="t" anchorCtr="0" compatLnSpc="1">
-            <a:prstTxWarp prst="textNoShape">
-              <a:avLst/>
-            </a:prstTxWarp>
-          </a:bodyPr>
+          <a:bodyPr rtlCol="0" anchor="ctr"/>
           <a:lstStyle/>
           <a:p>
-            <a:endParaRPr lang="en-US"/>
+            <a:pPr algn="ctr"/>
+            <a:endParaRPr lang="en-US" dirty="0"/>
           </a:p>
         </p:txBody>
       </p:sp>
       <p:sp>
         <p:nvSpPr>
-          <p:cNvPr id="25" name="Rectangle 24">
+          <p:cNvPr id="36" name="Rectangle 35">
             <a:extLst>
               <a:ext uri="{FF2B5EF4-FFF2-40B4-BE49-F238E27FC236}">
-                <a16:creationId xmlns:a16="http://schemas.microsoft.com/office/drawing/2014/main" id="{864DE13E-58EB-4475-B79C-0D4FC651239B}"/>
+                <a16:creationId xmlns:a16="http://schemas.microsoft.com/office/drawing/2014/main" id="{29FDB030-9B49-4CED-8CCD-4D99382388AC}"/>
               </a:ext>
               <a:ext uri="{C183D7F6-B498-43B3-948B-1728B52AA6E4}">
                 <adec:decorative xmlns:adec="http://schemas.microsoft.com/office/drawing/2017/decorative" val="1"/>
@@ -30461,32 +30518,284 @@
             </p:extLst>
           </p:nvPr>
         </p:nvSpPr>
-        <p:spPr bwMode="auto">
-          <a:xfrm>
-            <a:off x="638387" y="643467"/>
-            <a:ext cx="10933503" cy="5391944"/>
+        <p:spPr>
+          <a:xfrm rot="18900000" flipH="1">
+            <a:off x="891641" y="422146"/>
+            <a:ext cx="645368" cy="645368"/>
           </a:xfrm>
           <a:prstGeom prst="rect">
             <a:avLst/>
           </a:prstGeom>
           <a:solidFill>
-            <a:srgbClr val="FFFFFF"/>
+            <a:schemeClr val="accent1">
+              <a:alpha val="30000"/>
+            </a:schemeClr>
           </a:solidFill>
-          <a:ln w="12700">
-            <a:solidFill>
-              <a:schemeClr val="accent1"/>
-            </a:solidFill>
-            <a:miter lim="800000"/>
+          <a:ln>
+            <a:noFill/>
           </a:ln>
         </p:spPr>
+        <p:style>
+          <a:lnRef idx="2">
+            <a:schemeClr val="accent1">
+              <a:shade val="50000"/>
+            </a:schemeClr>
+          </a:lnRef>
+          <a:fillRef idx="1">
+            <a:schemeClr val="accent1"/>
+          </a:fillRef>
+          <a:effectRef idx="0">
+            <a:schemeClr val="accent1"/>
+          </a:effectRef>
+          <a:fontRef idx="minor">
+            <a:schemeClr val="lt1"/>
+          </a:fontRef>
+        </p:style>
         <p:txBody>
-          <a:bodyPr vert="horz" wrap="square" lIns="91440" tIns="45720" rIns="91440" bIns="45720" numCol="1" anchor="t" anchorCtr="0" compatLnSpc="1">
-            <a:prstTxWarp prst="textNoShape">
-              <a:avLst/>
-            </a:prstTxWarp>
+          <a:bodyPr rtlCol="0" anchor="ctr"/>
+          <a:lstStyle/>
+          <a:p>
+            <a:pPr algn="ctr"/>
+            <a:endParaRPr lang="en-US"/>
+          </a:p>
+        </p:txBody>
+      </p:sp>
+      <p:sp>
+        <p:nvSpPr>
+          <p:cNvPr id="38" name="Rectangle 37">
+            <a:extLst>
+              <a:ext uri="{FF2B5EF4-FFF2-40B4-BE49-F238E27FC236}">
+                <a16:creationId xmlns:a16="http://schemas.microsoft.com/office/drawing/2014/main" id="{3783CA14-24A1-485C-8B30-D6A5D87987AD}"/>
+              </a:ext>
+              <a:ext uri="{C183D7F6-B498-43B3-948B-1728B52AA6E4}">
+                <adec:decorative xmlns:adec="http://schemas.microsoft.com/office/drawing/2017/decorative" val="1"/>
+              </a:ext>
+            </a:extLst>
+          </p:cNvPr>
+          <p:cNvSpPr>
+            <a:spLocks noGrp="1" noRot="1" noChangeAspect="1" noMove="1" noResize="1" noEditPoints="1" noAdjustHandles="1" noChangeArrowheads="1" noChangeShapeType="1" noTextEdit="1"/>
+          </p:cNvSpPr>
+          <p:nvPr>
+            <p:extLst>
+              <p:ext uri="{386F3935-93C4-4BCD-93E2-E3B085C9AB24}">
+                <p16:designElem xmlns:p16="http://schemas.microsoft.com/office/powerpoint/2015/main" val="1"/>
+              </p:ext>
+            </p:extLst>
+          </p:nvPr>
+        </p:nvSpPr>
+        <p:spPr>
+          <a:xfrm rot="18900000" flipH="1">
+            <a:off x="10043482" y="655140"/>
+            <a:ext cx="687472" cy="687472"/>
+          </a:xfrm>
+          <a:prstGeom prst="rect">
+            <a:avLst/>
+          </a:prstGeom>
+          <a:solidFill>
+            <a:schemeClr val="accent4">
+              <a:alpha val="30000"/>
+            </a:schemeClr>
+          </a:solidFill>
+          <a:ln>
+            <a:noFill/>
+          </a:ln>
+        </p:spPr>
+        <p:style>
+          <a:lnRef idx="2">
+            <a:schemeClr val="accent1">
+              <a:shade val="50000"/>
+            </a:schemeClr>
+          </a:lnRef>
+          <a:fillRef idx="1">
+            <a:schemeClr val="accent1"/>
+          </a:fillRef>
+          <a:effectRef idx="0">
+            <a:schemeClr val="accent1"/>
+          </a:effectRef>
+          <a:fontRef idx="minor">
+            <a:schemeClr val="lt1"/>
+          </a:fontRef>
+        </p:style>
+        <p:txBody>
+          <a:bodyPr rtlCol="0" anchor="ctr"/>
+          <a:lstStyle/>
+          <a:p>
+            <a:pPr algn="ctr"/>
+            <a:endParaRPr lang="en-US"/>
+          </a:p>
+        </p:txBody>
+      </p:sp>
+      <p:sp>
+        <p:nvSpPr>
+          <p:cNvPr id="40" name="Freeform: Shape 39">
+            <a:extLst>
+              <a:ext uri="{FF2B5EF4-FFF2-40B4-BE49-F238E27FC236}">
+                <a16:creationId xmlns:a16="http://schemas.microsoft.com/office/drawing/2014/main" id="{9A97C86A-04D6-40F7-AE84-31AB43E6A846}"/>
+              </a:ext>
+              <a:ext uri="{C183D7F6-B498-43B3-948B-1728B52AA6E4}">
+                <adec:decorative xmlns:adec="http://schemas.microsoft.com/office/drawing/2017/decorative" val="1"/>
+              </a:ext>
+            </a:extLst>
+          </p:cNvPr>
+          <p:cNvSpPr>
+            <a:spLocks noGrp="1" noRot="1" noChangeAspect="1" noMove="1" noResize="1" noEditPoints="1" noAdjustHandles="1" noChangeArrowheads="1" noChangeShapeType="1" noTextEdit="1"/>
+          </p:cNvSpPr>
+          <p:nvPr>
+            <p:extLst>
+              <p:ext uri="{386F3935-93C4-4BCD-93E2-E3B085C9AB24}">
+                <p16:designElem xmlns:p16="http://schemas.microsoft.com/office/powerpoint/2015/main" val="1"/>
+              </p:ext>
+            </p:extLst>
+          </p:nvPr>
+        </p:nvSpPr>
+        <p:spPr>
+          <a:xfrm rot="10800000" flipH="1">
+            <a:off x="9356643" y="0"/>
+            <a:ext cx="2835357" cy="1480837"/>
+          </a:xfrm>
+          <a:custGeom>
+            <a:avLst/>
+            <a:gdLst>
+              <a:gd name="connsiteX0" fmla="*/ 2835357 w 2835357"/>
+              <a:gd name="connsiteY0" fmla="*/ 1480837 h 1480837"/>
+              <a:gd name="connsiteX1" fmla="*/ 0 w 2835357"/>
+              <a:gd name="connsiteY1" fmla="*/ 1480837 h 1480837"/>
+              <a:gd name="connsiteX2" fmla="*/ 1552727 w 2835357"/>
+              <a:gd name="connsiteY2" fmla="*/ 0 h 1480837"/>
+              <a:gd name="connsiteX3" fmla="*/ 2835357 w 2835357"/>
+              <a:gd name="connsiteY3" fmla="*/ 1223245 h 1480837"/>
+            </a:gdLst>
+            <a:ahLst/>
+            <a:cxnLst>
+              <a:cxn ang="0">
+                <a:pos x="connsiteX0" y="connsiteY0"/>
+              </a:cxn>
+              <a:cxn ang="0">
+                <a:pos x="connsiteX1" y="connsiteY1"/>
+              </a:cxn>
+              <a:cxn ang="0">
+                <a:pos x="connsiteX2" y="connsiteY2"/>
+              </a:cxn>
+              <a:cxn ang="0">
+                <a:pos x="connsiteX3" y="connsiteY3"/>
+              </a:cxn>
+            </a:cxnLst>
+            <a:rect l="l" t="t" r="r" b="b"/>
+            <a:pathLst>
+              <a:path w="2835357" h="1480837">
+                <a:moveTo>
+                  <a:pt x="2835357" y="1480837"/>
+                </a:moveTo>
+                <a:lnTo>
+                  <a:pt x="0" y="1480837"/>
+                </a:lnTo>
+                <a:lnTo>
+                  <a:pt x="1552727" y="0"/>
+                </a:lnTo>
+                <a:lnTo>
+                  <a:pt x="2835357" y="1223245"/>
+                </a:lnTo>
+                <a:close/>
+              </a:path>
+            </a:pathLst>
+          </a:custGeom>
+          <a:solidFill>
+            <a:schemeClr val="accent4">
+              <a:alpha val="30000"/>
+            </a:schemeClr>
+          </a:solidFill>
+          <a:ln>
+            <a:noFill/>
+          </a:ln>
+        </p:spPr>
+        <p:style>
+          <a:lnRef idx="2">
+            <a:schemeClr val="accent1">
+              <a:shade val="50000"/>
+            </a:schemeClr>
+          </a:lnRef>
+          <a:fillRef idx="1">
+            <a:schemeClr val="accent1"/>
+          </a:fillRef>
+          <a:effectRef idx="0">
+            <a:schemeClr val="accent1"/>
+          </a:effectRef>
+          <a:fontRef idx="minor">
+            <a:schemeClr val="lt1"/>
+          </a:fontRef>
+        </p:style>
+        <p:txBody>
+          <a:bodyPr wrap="square" rtlCol="0" anchor="ctr">
+            <a:noAutofit/>
           </a:bodyPr>
           <a:lstStyle/>
           <a:p>
+            <a:pPr algn="ctr"/>
+            <a:endParaRPr lang="en-US" dirty="0"/>
+          </a:p>
+        </p:txBody>
+      </p:sp>
+      <p:sp>
+        <p:nvSpPr>
+          <p:cNvPr id="42" name="Isosceles Triangle 41">
+            <a:extLst>
+              <a:ext uri="{FF2B5EF4-FFF2-40B4-BE49-F238E27FC236}">
+                <a16:creationId xmlns:a16="http://schemas.microsoft.com/office/drawing/2014/main" id="{FF9F2414-84E8-453E-B1F3-389FDE8192D9}"/>
+              </a:ext>
+              <a:ext uri="{C183D7F6-B498-43B3-948B-1728B52AA6E4}">
+                <adec:decorative xmlns:adec="http://schemas.microsoft.com/office/drawing/2017/decorative" val="1"/>
+              </a:ext>
+            </a:extLst>
+          </p:cNvPr>
+          <p:cNvSpPr>
+            <a:spLocks noGrp="1" noRot="1" noChangeAspect="1" noMove="1" noResize="1" noEditPoints="1" noAdjustHandles="1" noChangeArrowheads="1" noChangeShapeType="1" noTextEdit="1"/>
+          </p:cNvSpPr>
+          <p:nvPr>
+            <p:extLst>
+              <p:ext uri="{386F3935-93C4-4BCD-93E2-E3B085C9AB24}">
+                <p16:designElem xmlns:p16="http://schemas.microsoft.com/office/powerpoint/2015/main" val="1"/>
+              </p:ext>
+            </p:extLst>
+          </p:nvPr>
+        </p:nvSpPr>
+        <p:spPr>
+          <a:xfrm flipH="1">
+            <a:off x="7976344" y="6115501"/>
+            <a:ext cx="1494513" cy="742499"/>
+          </a:xfrm>
+          <a:prstGeom prst="triangle">
+            <a:avLst/>
+          </a:prstGeom>
+          <a:solidFill>
+            <a:schemeClr val="accent1">
+              <a:alpha val="30000"/>
+            </a:schemeClr>
+          </a:solidFill>
+          <a:ln>
+            <a:noFill/>
+          </a:ln>
+        </p:spPr>
+        <p:style>
+          <a:lnRef idx="2">
+            <a:schemeClr val="accent1">
+              <a:shade val="50000"/>
+            </a:schemeClr>
+          </a:lnRef>
+          <a:fillRef idx="1">
+            <a:schemeClr val="accent1"/>
+          </a:fillRef>
+          <a:effectRef idx="0">
+            <a:schemeClr val="accent1"/>
+          </a:effectRef>
+          <a:fontRef idx="minor">
+            <a:schemeClr val="lt1"/>
+          </a:fontRef>
+        </p:style>
+        <p:txBody>
+          <a:bodyPr rtlCol="0" anchor="ctr"/>
+          <a:lstStyle/>
+          <a:p>
+            <a:pPr algn="ctr"/>
             <a:endParaRPr lang="en-US"/>
           </a:p>
         </p:txBody>
@@ -30519,29 +30828,32 @@
         </p:blipFill>
         <p:spPr>
           <a:xfrm>
-            <a:off x="1140934" y="1949700"/>
-            <a:ext cx="4616434" cy="2779477"/>
+            <a:off x="1469510" y="643467"/>
+            <a:ext cx="9252980" cy="5571065"/>
           </a:xfrm>
           <a:prstGeom prst="rect">
             <a:avLst/>
           </a:prstGeom>
+          <a:ln>
+            <a:noFill/>
+          </a:ln>
         </p:spPr>
       </p:pic>
-      <p:cxnSp>
-        <p:nvCxnSpPr>
-          <p:cNvPr id="27" name="Straight Connector 26">
+      <p:sp>
+        <p:nvSpPr>
+          <p:cNvPr id="44" name="Isosceles Triangle 43">
             <a:extLst>
               <a:ext uri="{FF2B5EF4-FFF2-40B4-BE49-F238E27FC236}">
-                <a16:creationId xmlns:a16="http://schemas.microsoft.com/office/drawing/2014/main" id="{02E9B2EE-76CA-47F3-9977-3F2FCB7FD252}"/>
+                <a16:creationId xmlns:a16="http://schemas.microsoft.com/office/drawing/2014/main" id="{3ECA69A1-7536-43AC-85EF-C7106179F5ED}"/>
               </a:ext>
               <a:ext uri="{C183D7F6-B498-43B3-948B-1728B52AA6E4}">
                 <adec:decorative xmlns:adec="http://schemas.microsoft.com/office/drawing/2017/decorative" val="1"/>
               </a:ext>
             </a:extLst>
           </p:cNvPr>
-          <p:cNvCxnSpPr>
-            <a:cxnSpLocks noGrp="1" noRot="1" noChangeAspect="1" noMove="1" noResize="1" noEditPoints="1" noAdjustHandles="1" noChangeArrowheads="1" noChangeShapeType="1"/>
-          </p:cNvCxnSpPr>
+          <p:cNvSpPr>
+            <a:spLocks noGrp="1" noRot="1" noChangeAspect="1" noMove="1" noResize="1" noEditPoints="1" noAdjustHandles="1" noChangeArrowheads="1" noChangeShapeType="1" noTextEdit="1"/>
+          </p:cNvSpPr>
           <p:nvPr>
             <p:extLst>
               <p:ext uri="{386F3935-93C4-4BCD-93E2-E3B085C9AB24}">
@@ -30549,72 +30861,49 @@
               </p:ext>
             </p:extLst>
           </p:nvPr>
-        </p:nvCxnSpPr>
+        </p:nvSpPr>
         <p:spPr>
-          <a:xfrm>
-            <a:off x="6096000" y="1739239"/>
-            <a:ext cx="0" cy="3200400"/>
+          <a:xfrm flipH="1">
+            <a:off x="7604080" y="6453143"/>
+            <a:ext cx="814903" cy="404857"/>
           </a:xfrm>
-          <a:prstGeom prst="line">
+          <a:prstGeom prst="triangle">
             <a:avLst/>
           </a:prstGeom>
-          <a:ln w="12700">
-            <a:solidFill>
-              <a:schemeClr val="accent1"/>
-            </a:solidFill>
+          <a:solidFill>
+            <a:schemeClr val="accent1">
+              <a:alpha val="30000"/>
+            </a:schemeClr>
+          </a:solidFill>
+          <a:ln>
+            <a:noFill/>
           </a:ln>
         </p:spPr>
         <p:style>
-          <a:lnRef idx="1">
-            <a:schemeClr val="accent1"/>
+          <a:lnRef idx="2">
+            <a:schemeClr val="accent1">
+              <a:shade val="50000"/>
+            </a:schemeClr>
           </a:lnRef>
-          <a:fillRef idx="0">
+          <a:fillRef idx="1">
             <a:schemeClr val="accent1"/>
           </a:fillRef>
           <a:effectRef idx="0">
             <a:schemeClr val="accent1"/>
           </a:effectRef>
           <a:fontRef idx="minor">
-            <a:schemeClr val="tx1"/>
+            <a:schemeClr val="lt1"/>
           </a:fontRef>
         </p:style>
-      </p:cxnSp>
-      <p:pic>
-        <p:nvPicPr>
-          <p:cNvPr id="3" name="Kép 2">
-            <a:extLst>
-              <a:ext uri="{FF2B5EF4-FFF2-40B4-BE49-F238E27FC236}">
-                <a16:creationId xmlns:a16="http://schemas.microsoft.com/office/drawing/2014/main" id="{8C52538F-835D-45E2-8ED2-86F6EA944332}"/>
-              </a:ext>
-            </a:extLst>
-          </p:cNvPr>
-          <p:cNvPicPr>
-            <a:picLocks noChangeAspect="1"/>
-          </p:cNvPicPr>
-          <p:nvPr/>
-        </p:nvPicPr>
-        <p:blipFill>
-          <a:blip r:embed="rId3">
-            <a:extLst>
-              <a:ext uri="{28A0092B-C50C-407E-A947-70E740481C1C}">
-                <a14:useLocalDpi xmlns:a14="http://schemas.microsoft.com/office/drawing/2010/main" val="0"/>
-              </a:ext>
-            </a:extLst>
-          </a:blip>
-          <a:stretch>
-            <a:fillRect/>
-          </a:stretch>
-        </p:blipFill>
-        <p:spPr>
-          <a:xfrm>
-            <a:off x="6434633" y="1941243"/>
-            <a:ext cx="4644528" cy="2796392"/>
-          </a:xfrm>
-          <a:prstGeom prst="rect">
-            <a:avLst/>
-          </a:prstGeom>
-        </p:spPr>
-      </p:pic>
+        <p:txBody>
+          <a:bodyPr rtlCol="0" anchor="ctr"/>
+          <a:lstStyle/>
+          <a:p>
+            <a:pPr algn="ctr"/>
+            <a:endParaRPr lang="en-US"/>
+          </a:p>
+        </p:txBody>
+      </p:sp>
     </p:spTree>
     <p:extLst>
       <p:ext uri="{BB962C8B-B14F-4D97-AF65-F5344CB8AC3E}">
@@ -30629,6 +30918,632 @@
 </file>
 
 <file path=ppt/slides/slide13.xml><?xml version="1.0" encoding="utf-8"?>
+<p:sld xmlns:a="http://schemas.openxmlformats.org/drawingml/2006/main" xmlns:r="http://schemas.openxmlformats.org/officeDocument/2006/relationships" xmlns:p="http://schemas.openxmlformats.org/presentationml/2006/main">
+  <p:cSld>
+    <p:bg>
+      <p:bgPr>
+        <a:solidFill>
+          <a:schemeClr val="bg1"/>
+        </a:solidFill>
+        <a:effectLst/>
+      </p:bgPr>
+    </p:bg>
+    <p:spTree>
+      <p:nvGrpSpPr>
+        <p:cNvPr id="1" name=""/>
+        <p:cNvGrpSpPr/>
+        <p:nvPr/>
+      </p:nvGrpSpPr>
+      <p:grpSpPr>
+        <a:xfrm>
+          <a:off x="0" y="0"/>
+          <a:ext cx="0" cy="0"/>
+          <a:chOff x="0" y="0"/>
+          <a:chExt cx="0" cy="0"/>
+        </a:xfrm>
+      </p:grpSpPr>
+      <p:sp>
+        <p:nvSpPr>
+          <p:cNvPr id="35" name="Rectangle 31">
+            <a:extLst>
+              <a:ext uri="{FF2B5EF4-FFF2-40B4-BE49-F238E27FC236}">
+                <a16:creationId xmlns:a16="http://schemas.microsoft.com/office/drawing/2014/main" id="{F3060C83-F051-4F0E-ABAD-AA0DFC48B218}"/>
+              </a:ext>
+              <a:ext uri="{C183D7F6-B498-43B3-948B-1728B52AA6E4}">
+                <adec:decorative xmlns:adec="http://schemas.microsoft.com/office/drawing/2017/decorative" val="1"/>
+              </a:ext>
+            </a:extLst>
+          </p:cNvPr>
+          <p:cNvSpPr>
+            <a:spLocks noGrp="1" noRot="1" noChangeAspect="1" noMove="1" noResize="1" noEditPoints="1" noAdjustHandles="1" noChangeArrowheads="1" noChangeShapeType="1" noTextEdit="1"/>
+          </p:cNvSpPr>
+          <p:nvPr>
+            <p:extLst>
+              <p:ext uri="{386F3935-93C4-4BCD-93E2-E3B085C9AB24}">
+                <p16:designElem xmlns:p16="http://schemas.microsoft.com/office/powerpoint/2015/main" val="1"/>
+              </p:ext>
+            </p:extLst>
+          </p:nvPr>
+        </p:nvSpPr>
+        <p:spPr>
+          <a:xfrm>
+            <a:off x="0" y="0"/>
+            <a:ext cx="12192000" cy="6858000"/>
+          </a:xfrm>
+          <a:prstGeom prst="rect">
+            <a:avLst/>
+          </a:prstGeom>
+          <a:solidFill>
+            <a:schemeClr val="bg1"/>
+          </a:solidFill>
+          <a:ln>
+            <a:noFill/>
+          </a:ln>
+        </p:spPr>
+        <p:style>
+          <a:lnRef idx="2">
+            <a:schemeClr val="accent1">
+              <a:shade val="50000"/>
+            </a:schemeClr>
+          </a:lnRef>
+          <a:fillRef idx="1">
+            <a:schemeClr val="accent1"/>
+          </a:fillRef>
+          <a:effectRef idx="0">
+            <a:schemeClr val="accent1"/>
+          </a:effectRef>
+          <a:fontRef idx="minor">
+            <a:schemeClr val="lt1"/>
+          </a:fontRef>
+        </p:style>
+        <p:txBody>
+          <a:bodyPr rtlCol="0" anchor="ctr"/>
+          <a:lstStyle/>
+          <a:p>
+            <a:pPr algn="ctr"/>
+            <a:endParaRPr lang="en-US" dirty="0"/>
+          </a:p>
+        </p:txBody>
+      </p:sp>
+      <p:sp>
+        <p:nvSpPr>
+          <p:cNvPr id="34" name="Freeform: Shape 33">
+            <a:extLst>
+              <a:ext uri="{FF2B5EF4-FFF2-40B4-BE49-F238E27FC236}">
+                <a16:creationId xmlns:a16="http://schemas.microsoft.com/office/drawing/2014/main" id="{83C98ABE-055B-441F-B07E-44F97F083C39}"/>
+              </a:ext>
+              <a:ext uri="{C183D7F6-B498-43B3-948B-1728B52AA6E4}">
+                <adec:decorative xmlns:adec="http://schemas.microsoft.com/office/drawing/2017/decorative" val="1"/>
+              </a:ext>
+            </a:extLst>
+          </p:cNvPr>
+          <p:cNvSpPr>
+            <a:spLocks noGrp="1" noRot="1" noChangeAspect="1" noMove="1" noResize="1" noEditPoints="1" noAdjustHandles="1" noChangeArrowheads="1" noChangeShapeType="1" noTextEdit="1"/>
+          </p:cNvSpPr>
+          <p:nvPr>
+            <p:extLst>
+              <p:ext uri="{386F3935-93C4-4BCD-93E2-E3B085C9AB24}">
+                <p16:designElem xmlns:p16="http://schemas.microsoft.com/office/powerpoint/2015/main" val="1"/>
+              </p:ext>
+            </p:extLst>
+          </p:nvPr>
+        </p:nvSpPr>
+        <p:spPr>
+          <a:xfrm rot="18900000" flipH="1">
+            <a:off x="-376156" y="-253670"/>
+            <a:ext cx="1827638" cy="1376989"/>
+          </a:xfrm>
+          <a:custGeom>
+            <a:avLst/>
+            <a:gdLst>
+              <a:gd name="connsiteX0" fmla="*/ 0 w 1827638"/>
+              <a:gd name="connsiteY0" fmla="*/ 987379 h 1376989"/>
+              <a:gd name="connsiteX1" fmla="*/ 987379 w 1827638"/>
+              <a:gd name="connsiteY1" fmla="*/ 0 h 1376989"/>
+              <a:gd name="connsiteX2" fmla="*/ 1827638 w 1827638"/>
+              <a:gd name="connsiteY2" fmla="*/ 840260 h 1376989"/>
+              <a:gd name="connsiteX3" fmla="*/ 1827638 w 1827638"/>
+              <a:gd name="connsiteY3" fmla="*/ 1376989 h 1376989"/>
+              <a:gd name="connsiteX4" fmla="*/ 0 w 1827638"/>
+              <a:gd name="connsiteY4" fmla="*/ 1376989 h 1376989"/>
+            </a:gdLst>
+            <a:ahLst/>
+            <a:cxnLst>
+              <a:cxn ang="0">
+                <a:pos x="connsiteX0" y="connsiteY0"/>
+              </a:cxn>
+              <a:cxn ang="0">
+                <a:pos x="connsiteX1" y="connsiteY1"/>
+              </a:cxn>
+              <a:cxn ang="0">
+                <a:pos x="connsiteX2" y="connsiteY2"/>
+              </a:cxn>
+              <a:cxn ang="0">
+                <a:pos x="connsiteX3" y="connsiteY3"/>
+              </a:cxn>
+              <a:cxn ang="0">
+                <a:pos x="connsiteX4" y="connsiteY4"/>
+              </a:cxn>
+            </a:cxnLst>
+            <a:rect l="l" t="t" r="r" b="b"/>
+            <a:pathLst>
+              <a:path w="1827638" h="1376989">
+                <a:moveTo>
+                  <a:pt x="0" y="987379"/>
+                </a:moveTo>
+                <a:lnTo>
+                  <a:pt x="987379" y="0"/>
+                </a:lnTo>
+                <a:lnTo>
+                  <a:pt x="1827638" y="840260"/>
+                </a:lnTo>
+                <a:lnTo>
+                  <a:pt x="1827638" y="1376989"/>
+                </a:lnTo>
+                <a:lnTo>
+                  <a:pt x="0" y="1376989"/>
+                </a:lnTo>
+                <a:close/>
+              </a:path>
+            </a:pathLst>
+          </a:custGeom>
+          <a:solidFill>
+            <a:schemeClr val="accent1">
+              <a:alpha val="30000"/>
+            </a:schemeClr>
+          </a:solidFill>
+          <a:ln>
+            <a:noFill/>
+          </a:ln>
+        </p:spPr>
+        <p:style>
+          <a:lnRef idx="2">
+            <a:schemeClr val="accent1">
+              <a:shade val="50000"/>
+            </a:schemeClr>
+          </a:lnRef>
+          <a:fillRef idx="1">
+            <a:schemeClr val="accent1"/>
+          </a:fillRef>
+          <a:effectRef idx="0">
+            <a:schemeClr val="accent1"/>
+          </a:effectRef>
+          <a:fontRef idx="minor">
+            <a:schemeClr val="lt1"/>
+          </a:fontRef>
+        </p:style>
+        <p:txBody>
+          <a:bodyPr rtlCol="0" anchor="ctr"/>
+          <a:lstStyle/>
+          <a:p>
+            <a:pPr algn="ctr"/>
+            <a:endParaRPr lang="en-US" dirty="0"/>
+          </a:p>
+        </p:txBody>
+      </p:sp>
+      <p:sp>
+        <p:nvSpPr>
+          <p:cNvPr id="36" name="Rectangle 35">
+            <a:extLst>
+              <a:ext uri="{FF2B5EF4-FFF2-40B4-BE49-F238E27FC236}">
+                <a16:creationId xmlns:a16="http://schemas.microsoft.com/office/drawing/2014/main" id="{29FDB030-9B49-4CED-8CCD-4D99382388AC}"/>
+              </a:ext>
+              <a:ext uri="{C183D7F6-B498-43B3-948B-1728B52AA6E4}">
+                <adec:decorative xmlns:adec="http://schemas.microsoft.com/office/drawing/2017/decorative" val="1"/>
+              </a:ext>
+            </a:extLst>
+          </p:cNvPr>
+          <p:cNvSpPr>
+            <a:spLocks noGrp="1" noRot="1" noChangeAspect="1" noMove="1" noResize="1" noEditPoints="1" noAdjustHandles="1" noChangeArrowheads="1" noChangeShapeType="1" noTextEdit="1"/>
+          </p:cNvSpPr>
+          <p:nvPr>
+            <p:extLst>
+              <p:ext uri="{386F3935-93C4-4BCD-93E2-E3B085C9AB24}">
+                <p16:designElem xmlns:p16="http://schemas.microsoft.com/office/powerpoint/2015/main" val="1"/>
+              </p:ext>
+            </p:extLst>
+          </p:nvPr>
+        </p:nvSpPr>
+        <p:spPr>
+          <a:xfrm rot="18900000" flipH="1">
+            <a:off x="891641" y="422146"/>
+            <a:ext cx="645368" cy="645368"/>
+          </a:xfrm>
+          <a:prstGeom prst="rect">
+            <a:avLst/>
+          </a:prstGeom>
+          <a:solidFill>
+            <a:schemeClr val="accent1">
+              <a:alpha val="30000"/>
+            </a:schemeClr>
+          </a:solidFill>
+          <a:ln>
+            <a:noFill/>
+          </a:ln>
+        </p:spPr>
+        <p:style>
+          <a:lnRef idx="2">
+            <a:schemeClr val="accent1">
+              <a:shade val="50000"/>
+            </a:schemeClr>
+          </a:lnRef>
+          <a:fillRef idx="1">
+            <a:schemeClr val="accent1"/>
+          </a:fillRef>
+          <a:effectRef idx="0">
+            <a:schemeClr val="accent1"/>
+          </a:effectRef>
+          <a:fontRef idx="minor">
+            <a:schemeClr val="lt1"/>
+          </a:fontRef>
+        </p:style>
+        <p:txBody>
+          <a:bodyPr rtlCol="0" anchor="ctr"/>
+          <a:lstStyle/>
+          <a:p>
+            <a:pPr algn="ctr"/>
+            <a:endParaRPr lang="en-US"/>
+          </a:p>
+        </p:txBody>
+      </p:sp>
+      <p:sp>
+        <p:nvSpPr>
+          <p:cNvPr id="38" name="Rectangle 37">
+            <a:extLst>
+              <a:ext uri="{FF2B5EF4-FFF2-40B4-BE49-F238E27FC236}">
+                <a16:creationId xmlns:a16="http://schemas.microsoft.com/office/drawing/2014/main" id="{3783CA14-24A1-485C-8B30-D6A5D87987AD}"/>
+              </a:ext>
+              <a:ext uri="{C183D7F6-B498-43B3-948B-1728B52AA6E4}">
+                <adec:decorative xmlns:adec="http://schemas.microsoft.com/office/drawing/2017/decorative" val="1"/>
+              </a:ext>
+            </a:extLst>
+          </p:cNvPr>
+          <p:cNvSpPr>
+            <a:spLocks noGrp="1" noRot="1" noChangeAspect="1" noMove="1" noResize="1" noEditPoints="1" noAdjustHandles="1" noChangeArrowheads="1" noChangeShapeType="1" noTextEdit="1"/>
+          </p:cNvSpPr>
+          <p:nvPr>
+            <p:extLst>
+              <p:ext uri="{386F3935-93C4-4BCD-93E2-E3B085C9AB24}">
+                <p16:designElem xmlns:p16="http://schemas.microsoft.com/office/powerpoint/2015/main" val="1"/>
+              </p:ext>
+            </p:extLst>
+          </p:nvPr>
+        </p:nvSpPr>
+        <p:spPr>
+          <a:xfrm rot="18900000" flipH="1">
+            <a:off x="10043482" y="655140"/>
+            <a:ext cx="687472" cy="687472"/>
+          </a:xfrm>
+          <a:prstGeom prst="rect">
+            <a:avLst/>
+          </a:prstGeom>
+          <a:solidFill>
+            <a:schemeClr val="accent4">
+              <a:alpha val="30000"/>
+            </a:schemeClr>
+          </a:solidFill>
+          <a:ln>
+            <a:noFill/>
+          </a:ln>
+        </p:spPr>
+        <p:style>
+          <a:lnRef idx="2">
+            <a:schemeClr val="accent1">
+              <a:shade val="50000"/>
+            </a:schemeClr>
+          </a:lnRef>
+          <a:fillRef idx="1">
+            <a:schemeClr val="accent1"/>
+          </a:fillRef>
+          <a:effectRef idx="0">
+            <a:schemeClr val="accent1"/>
+          </a:effectRef>
+          <a:fontRef idx="minor">
+            <a:schemeClr val="lt1"/>
+          </a:fontRef>
+        </p:style>
+        <p:txBody>
+          <a:bodyPr rtlCol="0" anchor="ctr"/>
+          <a:lstStyle/>
+          <a:p>
+            <a:pPr algn="ctr"/>
+            <a:endParaRPr lang="en-US"/>
+          </a:p>
+        </p:txBody>
+      </p:sp>
+      <p:sp>
+        <p:nvSpPr>
+          <p:cNvPr id="40" name="Freeform: Shape 39">
+            <a:extLst>
+              <a:ext uri="{FF2B5EF4-FFF2-40B4-BE49-F238E27FC236}">
+                <a16:creationId xmlns:a16="http://schemas.microsoft.com/office/drawing/2014/main" id="{9A97C86A-04D6-40F7-AE84-31AB43E6A846}"/>
+              </a:ext>
+              <a:ext uri="{C183D7F6-B498-43B3-948B-1728B52AA6E4}">
+                <adec:decorative xmlns:adec="http://schemas.microsoft.com/office/drawing/2017/decorative" val="1"/>
+              </a:ext>
+            </a:extLst>
+          </p:cNvPr>
+          <p:cNvSpPr>
+            <a:spLocks noGrp="1" noRot="1" noChangeAspect="1" noMove="1" noResize="1" noEditPoints="1" noAdjustHandles="1" noChangeArrowheads="1" noChangeShapeType="1" noTextEdit="1"/>
+          </p:cNvSpPr>
+          <p:nvPr>
+            <p:extLst>
+              <p:ext uri="{386F3935-93C4-4BCD-93E2-E3B085C9AB24}">
+                <p16:designElem xmlns:p16="http://schemas.microsoft.com/office/powerpoint/2015/main" val="1"/>
+              </p:ext>
+            </p:extLst>
+          </p:nvPr>
+        </p:nvSpPr>
+        <p:spPr>
+          <a:xfrm rot="10800000" flipH="1">
+            <a:off x="9356643" y="0"/>
+            <a:ext cx="2835357" cy="1480837"/>
+          </a:xfrm>
+          <a:custGeom>
+            <a:avLst/>
+            <a:gdLst>
+              <a:gd name="connsiteX0" fmla="*/ 2835357 w 2835357"/>
+              <a:gd name="connsiteY0" fmla="*/ 1480837 h 1480837"/>
+              <a:gd name="connsiteX1" fmla="*/ 0 w 2835357"/>
+              <a:gd name="connsiteY1" fmla="*/ 1480837 h 1480837"/>
+              <a:gd name="connsiteX2" fmla="*/ 1552727 w 2835357"/>
+              <a:gd name="connsiteY2" fmla="*/ 0 h 1480837"/>
+              <a:gd name="connsiteX3" fmla="*/ 2835357 w 2835357"/>
+              <a:gd name="connsiteY3" fmla="*/ 1223245 h 1480837"/>
+            </a:gdLst>
+            <a:ahLst/>
+            <a:cxnLst>
+              <a:cxn ang="0">
+                <a:pos x="connsiteX0" y="connsiteY0"/>
+              </a:cxn>
+              <a:cxn ang="0">
+                <a:pos x="connsiteX1" y="connsiteY1"/>
+              </a:cxn>
+              <a:cxn ang="0">
+                <a:pos x="connsiteX2" y="connsiteY2"/>
+              </a:cxn>
+              <a:cxn ang="0">
+                <a:pos x="connsiteX3" y="connsiteY3"/>
+              </a:cxn>
+            </a:cxnLst>
+            <a:rect l="l" t="t" r="r" b="b"/>
+            <a:pathLst>
+              <a:path w="2835357" h="1480837">
+                <a:moveTo>
+                  <a:pt x="2835357" y="1480837"/>
+                </a:moveTo>
+                <a:lnTo>
+                  <a:pt x="0" y="1480837"/>
+                </a:lnTo>
+                <a:lnTo>
+                  <a:pt x="1552727" y="0"/>
+                </a:lnTo>
+                <a:lnTo>
+                  <a:pt x="2835357" y="1223245"/>
+                </a:lnTo>
+                <a:close/>
+              </a:path>
+            </a:pathLst>
+          </a:custGeom>
+          <a:solidFill>
+            <a:schemeClr val="accent4">
+              <a:alpha val="30000"/>
+            </a:schemeClr>
+          </a:solidFill>
+          <a:ln>
+            <a:noFill/>
+          </a:ln>
+        </p:spPr>
+        <p:style>
+          <a:lnRef idx="2">
+            <a:schemeClr val="accent1">
+              <a:shade val="50000"/>
+            </a:schemeClr>
+          </a:lnRef>
+          <a:fillRef idx="1">
+            <a:schemeClr val="accent1"/>
+          </a:fillRef>
+          <a:effectRef idx="0">
+            <a:schemeClr val="accent1"/>
+          </a:effectRef>
+          <a:fontRef idx="minor">
+            <a:schemeClr val="lt1"/>
+          </a:fontRef>
+        </p:style>
+        <p:txBody>
+          <a:bodyPr wrap="square" rtlCol="0" anchor="ctr">
+            <a:noAutofit/>
+          </a:bodyPr>
+          <a:lstStyle/>
+          <a:p>
+            <a:pPr algn="ctr"/>
+            <a:endParaRPr lang="en-US" dirty="0"/>
+          </a:p>
+        </p:txBody>
+      </p:sp>
+      <p:sp>
+        <p:nvSpPr>
+          <p:cNvPr id="42" name="Isosceles Triangle 41">
+            <a:extLst>
+              <a:ext uri="{FF2B5EF4-FFF2-40B4-BE49-F238E27FC236}">
+                <a16:creationId xmlns:a16="http://schemas.microsoft.com/office/drawing/2014/main" id="{FF9F2414-84E8-453E-B1F3-389FDE8192D9}"/>
+              </a:ext>
+              <a:ext uri="{C183D7F6-B498-43B3-948B-1728B52AA6E4}">
+                <adec:decorative xmlns:adec="http://schemas.microsoft.com/office/drawing/2017/decorative" val="1"/>
+              </a:ext>
+            </a:extLst>
+          </p:cNvPr>
+          <p:cNvSpPr>
+            <a:spLocks noGrp="1" noRot="1" noChangeAspect="1" noMove="1" noResize="1" noEditPoints="1" noAdjustHandles="1" noChangeArrowheads="1" noChangeShapeType="1" noTextEdit="1"/>
+          </p:cNvSpPr>
+          <p:nvPr>
+            <p:extLst>
+              <p:ext uri="{386F3935-93C4-4BCD-93E2-E3B085C9AB24}">
+                <p16:designElem xmlns:p16="http://schemas.microsoft.com/office/powerpoint/2015/main" val="1"/>
+              </p:ext>
+            </p:extLst>
+          </p:nvPr>
+        </p:nvSpPr>
+        <p:spPr>
+          <a:xfrm flipH="1">
+            <a:off x="7976344" y="6115501"/>
+            <a:ext cx="1494513" cy="742499"/>
+          </a:xfrm>
+          <a:prstGeom prst="triangle">
+            <a:avLst/>
+          </a:prstGeom>
+          <a:solidFill>
+            <a:schemeClr val="accent1">
+              <a:alpha val="30000"/>
+            </a:schemeClr>
+          </a:solidFill>
+          <a:ln>
+            <a:noFill/>
+          </a:ln>
+        </p:spPr>
+        <p:style>
+          <a:lnRef idx="2">
+            <a:schemeClr val="accent1">
+              <a:shade val="50000"/>
+            </a:schemeClr>
+          </a:lnRef>
+          <a:fillRef idx="1">
+            <a:schemeClr val="accent1"/>
+          </a:fillRef>
+          <a:effectRef idx="0">
+            <a:schemeClr val="accent1"/>
+          </a:effectRef>
+          <a:fontRef idx="minor">
+            <a:schemeClr val="lt1"/>
+          </a:fontRef>
+        </p:style>
+        <p:txBody>
+          <a:bodyPr rtlCol="0" anchor="ctr"/>
+          <a:lstStyle/>
+          <a:p>
+            <a:pPr algn="ctr"/>
+            <a:endParaRPr lang="en-US"/>
+          </a:p>
+        </p:txBody>
+      </p:sp>
+      <p:pic>
+        <p:nvPicPr>
+          <p:cNvPr id="7" name="Kép 6">
+            <a:extLst>
+              <a:ext uri="{FF2B5EF4-FFF2-40B4-BE49-F238E27FC236}">
+                <a16:creationId xmlns:a16="http://schemas.microsoft.com/office/drawing/2014/main" id="{3B8F7E2D-90A9-4C0E-AC80-8BC6EA0E6F66}"/>
+              </a:ext>
+            </a:extLst>
+          </p:cNvPr>
+          <p:cNvPicPr>
+            <a:picLocks noChangeAspect="1"/>
+          </p:cNvPicPr>
+          <p:nvPr/>
+        </p:nvPicPr>
+        <p:blipFill>
+          <a:blip r:embed="rId2">
+            <a:extLst>
+              <a:ext uri="{28A0092B-C50C-407E-A947-70E740481C1C}">
+                <a14:useLocalDpi xmlns:a14="http://schemas.microsoft.com/office/drawing/2010/main" val="0"/>
+              </a:ext>
+            </a:extLst>
+          </a:blip>
+          <a:stretch>
+            <a:fillRect/>
+          </a:stretch>
+        </p:blipFill>
+        <p:spPr>
+          <a:xfrm>
+            <a:off x="1469510" y="643467"/>
+            <a:ext cx="9252980" cy="5571065"/>
+          </a:xfrm>
+          <a:prstGeom prst="rect">
+            <a:avLst/>
+          </a:prstGeom>
+          <a:ln>
+            <a:noFill/>
+          </a:ln>
+        </p:spPr>
+      </p:pic>
+      <p:sp>
+        <p:nvSpPr>
+          <p:cNvPr id="44" name="Isosceles Triangle 43">
+            <a:extLst>
+              <a:ext uri="{FF2B5EF4-FFF2-40B4-BE49-F238E27FC236}">
+                <a16:creationId xmlns:a16="http://schemas.microsoft.com/office/drawing/2014/main" id="{3ECA69A1-7536-43AC-85EF-C7106179F5ED}"/>
+              </a:ext>
+              <a:ext uri="{C183D7F6-B498-43B3-948B-1728B52AA6E4}">
+                <adec:decorative xmlns:adec="http://schemas.microsoft.com/office/drawing/2017/decorative" val="1"/>
+              </a:ext>
+            </a:extLst>
+          </p:cNvPr>
+          <p:cNvSpPr>
+            <a:spLocks noGrp="1" noRot="1" noChangeAspect="1" noMove="1" noResize="1" noEditPoints="1" noAdjustHandles="1" noChangeArrowheads="1" noChangeShapeType="1" noTextEdit="1"/>
+          </p:cNvSpPr>
+          <p:nvPr>
+            <p:extLst>
+              <p:ext uri="{386F3935-93C4-4BCD-93E2-E3B085C9AB24}">
+                <p16:designElem xmlns:p16="http://schemas.microsoft.com/office/powerpoint/2015/main" val="1"/>
+              </p:ext>
+            </p:extLst>
+          </p:nvPr>
+        </p:nvSpPr>
+        <p:spPr>
+          <a:xfrm flipH="1">
+            <a:off x="7604080" y="6453143"/>
+            <a:ext cx="814903" cy="404857"/>
+          </a:xfrm>
+          <a:prstGeom prst="triangle">
+            <a:avLst/>
+          </a:prstGeom>
+          <a:solidFill>
+            <a:schemeClr val="accent1">
+              <a:alpha val="30000"/>
+            </a:schemeClr>
+          </a:solidFill>
+          <a:ln>
+            <a:noFill/>
+          </a:ln>
+        </p:spPr>
+        <p:style>
+          <a:lnRef idx="2">
+            <a:schemeClr val="accent1">
+              <a:shade val="50000"/>
+            </a:schemeClr>
+          </a:lnRef>
+          <a:fillRef idx="1">
+            <a:schemeClr val="accent1"/>
+          </a:fillRef>
+          <a:effectRef idx="0">
+            <a:schemeClr val="accent1"/>
+          </a:effectRef>
+          <a:fontRef idx="minor">
+            <a:schemeClr val="lt1"/>
+          </a:fontRef>
+        </p:style>
+        <p:txBody>
+          <a:bodyPr rtlCol="0" anchor="ctr"/>
+          <a:lstStyle/>
+          <a:p>
+            <a:pPr algn="ctr"/>
+            <a:endParaRPr lang="en-US"/>
+          </a:p>
+        </p:txBody>
+      </p:sp>
+    </p:spTree>
+    <p:extLst>
+      <p:ext uri="{BB962C8B-B14F-4D97-AF65-F5344CB8AC3E}">
+        <p14:creationId xmlns:p14="http://schemas.microsoft.com/office/powerpoint/2010/main" val="3231853321"/>
+      </p:ext>
+    </p:extLst>
+  </p:cSld>
+  <p:clrMapOvr>
+    <a:masterClrMapping/>
+  </p:clrMapOvr>
+</p:sld>
+</file>
+
+<file path=ppt/slides/slide14.xml><?xml version="1.0" encoding="utf-8"?>
 <p:sld xmlns:a="http://schemas.openxmlformats.org/drawingml/2006/main" xmlns:r="http://schemas.openxmlformats.org/officeDocument/2006/relationships" xmlns:p="http://schemas.openxmlformats.org/presentationml/2006/main">
   <p:cSld>
     <p:bg>
@@ -34948,7 +35863,7 @@
             <p:ph idx="1"/>
             <p:extLst>
               <p:ext uri="{D42A27DB-BD31-4B8C-83A1-F6EECF244321}">
-                <p14:modId xmlns:p14="http://schemas.microsoft.com/office/powerpoint/2010/main" val="1394761675"/>
+                <p14:modId xmlns:p14="http://schemas.microsoft.com/office/powerpoint/2010/main" val="2895796482"/>
               </p:ext>
             </p:extLst>
           </p:nvPr>
